--- a/TCG_SHOP_presentazione.pptx
+++ b/TCG_SHOP_presentazione.pptx
@@ -110,6 +110,11 @@
       </a:defRPr>
     </a:lvl9pPr>
   </p:defaultTextStyle>
+  <p:extLst>
+    <p:ext uri="{EFAFB233-063F-42B5-8137-9DF3F51BA10A}">
+      <p15:sldGuideLst xmlns:p15="http://schemas.microsoft.com/office/powerpoint/2012/main"/>
+    </p:ext>
+  </p:extLst>
 </p:presentation>
 </file>
 
@@ -7811,8 +7816,8 @@
         </p:nvSpPr>
         <p:spPr bwMode="auto">
           <a:xfrm>
-            <a:off x="838200" y="1773616"/>
-            <a:ext cx="7077075" cy="3139321"/>
+            <a:off x="838200" y="1496618"/>
+            <a:ext cx="7077075" cy="3693319"/>
           </a:xfrm>
           <a:prstGeom prst="rect">
             <a:avLst/>
@@ -8326,7 +8331,7 @@
               <a:t>– </a:t>
             </a:r>
             <a:r>
-              <a:rPr kumimoji="0" lang="it-IT" altLang="it-IT" sz="1800" i="1" u="none" strike="noStrike" cap="none" normalizeH="0" baseline="0" dirty="0">
+              <a:rPr kumimoji="0" lang="it-IT" altLang="it-IT" sz="1800" i="1" u="none" strike="noStrike" cap="none" normalizeH="0" baseline="0" dirty="0" err="1">
                 <a:ln>
                   <a:noFill/>
                 </a:ln>
@@ -8338,7 +8343,109 @@
               </a:rPr>
               <a:t>Smarmellatore</a:t>
             </a:r>
-            <a:endParaRPr lang="it-IT" altLang="it-IT" dirty="0">
+            <a:endParaRPr kumimoji="0" lang="it-IT" altLang="it-IT" sz="1800" i="1" u="none" strike="noStrike" cap="none" normalizeH="0" baseline="0" dirty="0">
+              <a:ln>
+                <a:noFill/>
+              </a:ln>
+              <a:solidFill>
+                <a:srgbClr val="67DF7D"/>
+              </a:solidFill>
+              <a:effectLst/>
+              <a:latin typeface="Arial" panose="020B0604020202020204" pitchFamily="34" charset="0"/>
+            </a:endParaRPr>
+          </a:p>
+          <a:p>
+            <a:pPr eaLnBrk="0" fontAlgn="base" hangingPunct="0">
+              <a:spcBef>
+                <a:spcPct val="0"/>
+              </a:spcBef>
+              <a:spcAft>
+                <a:spcPct val="0"/>
+              </a:spcAft>
+              <a:buFontTx/>
+              <a:buChar char="•"/>
+            </a:pPr>
+            <a:endParaRPr lang="it-IT" altLang="it-IT" i="1" dirty="0">
+              <a:solidFill>
+                <a:srgbClr val="67DF7D"/>
+              </a:solidFill>
+              <a:latin typeface="Arial" panose="020B0604020202020204" pitchFamily="34" charset="0"/>
+            </a:endParaRPr>
+          </a:p>
+          <a:p>
+            <a:pPr eaLnBrk="0" fontAlgn="base" hangingPunct="0">
+              <a:spcBef>
+                <a:spcPct val="0"/>
+              </a:spcBef>
+              <a:spcAft>
+                <a:spcPct val="0"/>
+              </a:spcAft>
+              <a:buFontTx/>
+              <a:buChar char="•"/>
+            </a:pPr>
+            <a:r>
+              <a:rPr lang="it-IT" altLang="it-IT" b="1" dirty="0">
+                <a:solidFill>
+                  <a:srgbClr val="67DF7D"/>
+                </a:solidFill>
+                <a:latin typeface="Arial" panose="020B0604020202020204" pitchFamily="34" charset="0"/>
+              </a:rPr>
+              <a:t>Sam </a:t>
+            </a:r>
+            <a:r>
+              <a:rPr lang="it-IT" altLang="it-IT" b="1" dirty="0" err="1">
+                <a:solidFill>
+                  <a:srgbClr val="67DF7D"/>
+                </a:solidFill>
+                <a:latin typeface="Arial" panose="020B0604020202020204" pitchFamily="34" charset="0"/>
+              </a:rPr>
+              <a:t>Evrad</a:t>
+            </a:r>
+            <a:r>
+              <a:rPr lang="it-IT" altLang="it-IT" b="1" dirty="0">
+                <a:solidFill>
+                  <a:srgbClr val="67DF7D"/>
+                </a:solidFill>
+                <a:latin typeface="Arial" panose="020B0604020202020204" pitchFamily="34" charset="0"/>
+              </a:rPr>
+              <a:t> </a:t>
+            </a:r>
+            <a:r>
+              <a:rPr kumimoji="0" lang="it-IT" altLang="it-IT" sz="1800" b="0" i="0" u="none" strike="noStrike" cap="none" normalizeH="0" baseline="0" dirty="0">
+                <a:ln>
+                  <a:noFill/>
+                </a:ln>
+                <a:solidFill>
+                  <a:srgbClr val="67DF7D"/>
+                </a:solidFill>
+                <a:effectLst/>
+                <a:latin typeface="Arial" panose="020B0604020202020204" pitchFamily="34" charset="0"/>
+              </a:rPr>
+              <a:t>– </a:t>
+            </a:r>
+            <a:r>
+              <a:rPr kumimoji="0" lang="it-IT" altLang="it-IT" sz="1800" b="0" i="1" u="none" strike="noStrike" cap="none" normalizeH="0" baseline="0" dirty="0">
+                <a:ln>
+                  <a:noFill/>
+                </a:ln>
+                <a:solidFill>
+                  <a:srgbClr val="67DF7D"/>
+                </a:solidFill>
+                <a:effectLst/>
+                <a:latin typeface="Arial" panose="020B0604020202020204" pitchFamily="34" charset="0"/>
+              </a:rPr>
+              <a:t>Ninja </a:t>
+            </a:r>
+            <a:r>
+              <a:rPr lang="it-IT" altLang="it-IT" i="1" dirty="0">
+                <a:solidFill>
+                  <a:srgbClr val="67DF7D"/>
+                </a:solidFill>
+                <a:latin typeface="Arial" panose="020B0604020202020204" pitchFamily="34" charset="0"/>
+              </a:rPr>
+              <a:t>copiatore</a:t>
+            </a:r>
+            <a:endParaRPr lang="it-IT" altLang="it-IT" b="1" dirty="0">
               <a:solidFill>
                 <a:srgbClr val="67DF7D"/>
               </a:solidFill>

--- a/TCG_SHOP_presentazione.pptx
+++ b/TCG_SHOP_presentazione.pptx
@@ -3343,45 +3343,6 @@
       </p:grpSpPr>
       <p:sp>
         <p:nvSpPr>
-          <p:cNvPr id="2" name="Titolo 1">
-            <a:extLst>
-              <a:ext uri="{FF2B5EF4-FFF2-40B4-BE49-F238E27FC236}">
-                <a16:creationId xmlns:a16="http://schemas.microsoft.com/office/drawing/2014/main" id="{9A6B6E26-560E-2328-AE61-917B15052F37}"/>
-              </a:ext>
-            </a:extLst>
-          </p:cNvPr>
-          <p:cNvSpPr>
-            <a:spLocks noGrp="1"/>
-          </p:cNvSpPr>
-          <p:nvPr>
-            <p:ph type="ctrTitle"/>
-          </p:nvPr>
-        </p:nvSpPr>
-        <p:spPr>
-          <a:xfrm>
-            <a:off x="1895475" y="763897"/>
-            <a:ext cx="4914900" cy="985838"/>
-          </a:xfrm>
-        </p:spPr>
-        <p:txBody>
-          <a:bodyPr>
-            <a:normAutofit/>
-          </a:bodyPr>
-          <a:lstStyle/>
-          <a:p>
-            <a:r>
-              <a:rPr lang="it-IT" sz="4000" b="1" dirty="0">
-                <a:solidFill>
-                  <a:srgbClr val="67DF7D"/>
-                </a:solidFill>
-              </a:rPr>
-              <a:t>NERD-VAULT</a:t>
-            </a:r>
-          </a:p>
-        </p:txBody>
-      </p:sp>
-      <p:sp>
-        <p:nvSpPr>
           <p:cNvPr id="3" name="Sottotitolo 2">
             <a:extLst>
               <a:ext uri="{FF2B5EF4-FFF2-40B4-BE49-F238E27FC236}">
@@ -3398,7 +3359,7 @@
         </p:nvSpPr>
         <p:spPr>
           <a:xfrm>
-            <a:off x="331304" y="2882884"/>
+            <a:off x="275321" y="2808061"/>
             <a:ext cx="8196470" cy="3027363"/>
           </a:xfrm>
         </p:spPr>
@@ -3450,60 +3411,6 @@
           </a:p>
         </p:txBody>
       </p:sp>
-      <p:pic>
-        <p:nvPicPr>
-          <p:cNvPr id="9" name="Immagine 8" descr="Immagine che contiene testo, Carattere, design, logo&#10;&#10;Descrizione generata automaticamente">
-            <a:extLst>
-              <a:ext uri="{FF2B5EF4-FFF2-40B4-BE49-F238E27FC236}">
-                <a16:creationId xmlns:a16="http://schemas.microsoft.com/office/drawing/2014/main" id="{CAA9F0B1-5B49-A209-98AA-1B25162454E8}"/>
-              </a:ext>
-            </a:extLst>
-          </p:cNvPr>
-          <p:cNvPicPr>
-            <a:picLocks noChangeAspect="1"/>
-          </p:cNvPicPr>
-          <p:nvPr/>
-        </p:nvPicPr>
-        <p:blipFill>
-          <a:blip r:embed="rId2">
-            <a:extLst>
-              <a:ext uri="{BEBA8EAE-BF5A-486C-A8C5-ECC9F3942E4B}">
-                <a14:imgProps xmlns:a14="http://schemas.microsoft.com/office/drawing/2010/main">
-                  <a14:imgLayer r:embed="rId3">
-                    <a14:imgEffect>
-                      <a14:backgroundRemoval t="10000" b="90000" l="10000" r="90000">
-                        <a14:foregroundMark x1="41707" y1="51523" x2="39878" y2="62183"/>
-                        <a14:foregroundMark x1="49024" y1="56345" x2="47317" y2="56853"/>
-                        <a14:backgroundMark x1="47805" y1="60914" x2="47073" y2="62183"/>
-                        <a14:backgroundMark x1="47439" y1="65736" x2="47927" y2="59898"/>
-                        <a14:backgroundMark x1="48279" y1="59713" x2="47195" y2="63198"/>
-                        <a14:backgroundMark x1="48659" y1="57868" x2="48780" y2="63706"/>
-                        <a14:backgroundMark x1="46220" y1="70305" x2="46463" y2="70558"/>
-                        <a14:backgroundMark x1="45488" y1="68782" x2="46951" y2="71066"/>
-                      </a14:backgroundRemoval>
-                    </a14:imgEffect>
-                  </a14:imgLayer>
-                </a14:imgProps>
-              </a:ext>
-              <a:ext uri="{28A0092B-C50C-407E-A947-70E740481C1C}">
-                <a14:useLocalDpi xmlns:a14="http://schemas.microsoft.com/office/drawing/2010/main" val="0"/>
-              </a:ext>
-            </a:extLst>
-          </a:blip>
-          <a:stretch>
-            <a:fillRect/>
-          </a:stretch>
-        </p:blipFill>
-        <p:spPr>
-          <a:xfrm>
-            <a:off x="2562066" y="1113257"/>
-            <a:ext cx="3486722" cy="1652120"/>
-          </a:xfrm>
-          <a:prstGeom prst="rect">
-            <a:avLst/>
-          </a:prstGeom>
-        </p:spPr>
-      </p:pic>
       <p:sp>
         <p:nvSpPr>
           <p:cNvPr id="11" name="Pulsante di azione: Avanti o successivo 10">
@@ -3568,6 +3475,42 @@
           </a:p>
         </p:txBody>
       </p:sp>
+      <p:pic>
+        <p:nvPicPr>
+          <p:cNvPr id="7" name="Immagine 6" descr="Immagine che contiene Elementi grafici, Carattere, cerchio, schermata">
+            <a:extLst>
+              <a:ext uri="{FF2B5EF4-FFF2-40B4-BE49-F238E27FC236}">
+                <a16:creationId xmlns:a16="http://schemas.microsoft.com/office/drawing/2014/main" id="{2B3C82F6-F595-EE0A-1B68-B282492F844C}"/>
+              </a:ext>
+            </a:extLst>
+          </p:cNvPr>
+          <p:cNvPicPr>
+            <a:picLocks noChangeAspect="1"/>
+          </p:cNvPicPr>
+          <p:nvPr/>
+        </p:nvPicPr>
+        <p:blipFill>
+          <a:blip r:embed="rId2">
+            <a:extLst>
+              <a:ext uri="{28A0092B-C50C-407E-A947-70E740481C1C}">
+                <a14:useLocalDpi xmlns:a14="http://schemas.microsoft.com/office/drawing/2010/main" val="0"/>
+              </a:ext>
+            </a:extLst>
+          </a:blip>
+          <a:stretch>
+            <a:fillRect/>
+          </a:stretch>
+        </p:blipFill>
+        <p:spPr>
+          <a:xfrm>
+            <a:off x="2171919" y="719683"/>
+            <a:ext cx="4191388" cy="2013911"/>
+          </a:xfrm>
+          <a:prstGeom prst="rect">
+            <a:avLst/>
+          </a:prstGeom>
+        </p:spPr>
+      </p:pic>
     </p:spTree>
     <p:extLst>
       <p:ext uri="{BB962C8B-B14F-4D97-AF65-F5344CB8AC3E}">
